--- a/presentation.pptx
+++ b/presentation.pptx
@@ -114,6 +114,11 @@
       </a:defRPr>
     </a:lvl9pPr>
   </p:defaultTextStyle>
+  <p:extLst>
+    <p:ext uri="{EFAFB233-063F-42B5-8137-9DF3F51BA10A}">
+      <p15:sldGuideLst xmlns:p15="http://schemas.microsoft.com/office/powerpoint/2012/main"/>
+    </p:ext>
+  </p:extLst>
 </p:presentation>
 </file>
 
@@ -3583,7 +3588,7 @@
           </a:ln>
           <a:extLst>
             <a:ext uri="{C572A759-6A51-4108-AA02-DFA0A04FC94B}">
-              <ma14:wrappingTextBoxFlag xmlns="" xmlns:m="http://schemas.openxmlformats.org/officeDocument/2006/math" xmlns:a14="http://schemas.microsoft.com/office/drawing/2010/main" xmlns:ma14="http://schemas.microsoft.com/office/mac/drawingml/2011/main" val="1"/>
+              <ma14:wrappingTextBoxFlag xmlns:ma14="http://schemas.microsoft.com/office/mac/drawingml/2011/main" xmlns:a14="http://schemas.microsoft.com/office/drawing/2010/main" xmlns:m="http://schemas.openxmlformats.org/officeDocument/2006/math" xmlns="" val="1"/>
             </a:ext>
           </a:extLst>
         </p:spPr>
@@ -3657,7 +3662,7 @@
           </a:ln>
           <a:extLst>
             <a:ext uri="{C572A759-6A51-4108-AA02-DFA0A04FC94B}">
-              <ma14:wrappingTextBoxFlag xmlns="" xmlns:m="http://schemas.openxmlformats.org/officeDocument/2006/math" xmlns:a14="http://schemas.microsoft.com/office/drawing/2010/main" xmlns:ma14="http://schemas.microsoft.com/office/mac/drawingml/2011/main" val="1"/>
+              <ma14:wrappingTextBoxFlag xmlns:ma14="http://schemas.microsoft.com/office/mac/drawingml/2011/main" xmlns:a14="http://schemas.microsoft.com/office/drawing/2010/main" xmlns:m="http://schemas.openxmlformats.org/officeDocument/2006/math" xmlns="" val="1"/>
             </a:ext>
           </a:extLst>
         </p:spPr>
@@ -3876,7 +3881,7 @@
           </a:ln>
           <a:extLst>
             <a:ext uri="{C572A759-6A51-4108-AA02-DFA0A04FC94B}">
-              <ma14:wrappingTextBoxFlag xmlns="" xmlns:m="http://schemas.openxmlformats.org/officeDocument/2006/math" xmlns:a14="http://schemas.microsoft.com/office/drawing/2010/main" xmlns:ma14="http://schemas.microsoft.com/office/mac/drawingml/2011/main" val="1"/>
+              <ma14:wrappingTextBoxFlag xmlns:ma14="http://schemas.microsoft.com/office/mac/drawingml/2011/main" xmlns:a14="http://schemas.microsoft.com/office/drawing/2010/main" xmlns:m="http://schemas.openxmlformats.org/officeDocument/2006/math" xmlns="" val="1"/>
             </a:ext>
           </a:extLst>
         </p:spPr>
@@ -3988,8 +3993,8 @@
         </p:nvSpPr>
         <p:spPr>
           <a:xfrm>
-            <a:off x="3283688" y="3030279"/>
-            <a:ext cx="5413744" cy="797442"/>
+            <a:off x="3283688" y="2498651"/>
+            <a:ext cx="5413744" cy="1329070"/>
           </a:xfrm>
           <a:prstGeom prst="rect">
             <a:avLst/>
@@ -3997,7 +4002,7 @@
         </p:spPr>
         <p:txBody>
           <a:bodyPr vert="horz" lIns="91440" tIns="45720" rIns="91440" bIns="45720" rtlCol="0" anchor="b">
-            <a:normAutofit/>
+            <a:normAutofit fontScale="90000"/>
           </a:bodyPr>
           <a:lstStyle/>
           <a:p>
@@ -4012,6 +4017,52 @@
               </a:rPr>
               <a:t>Code Walkthrough</a:t>
             </a:r>
+            <a:br>
+              <a:rPr lang="en-US" sz="5000" kern="1200" dirty="0">
+                <a:solidFill>
+                  <a:schemeClr val="tx1"/>
+                </a:solidFill>
+                <a:latin typeface="Adelle Sans Devanagari" panose="02000503000000020004" pitchFamily="2" charset="-78"/>
+                <a:cs typeface="Adelle Sans Devanagari" panose="02000503000000020004" pitchFamily="2" charset="-78"/>
+              </a:rPr>
+            </a:br>
+            <a:r>
+              <a:rPr lang="en-US" sz="1600" kern="1200" dirty="0">
+                <a:solidFill>
+                  <a:schemeClr val="tx1"/>
+                </a:solidFill>
+                <a:latin typeface="Adelle Sans Devanagari" panose="02000503000000020004" pitchFamily="2" charset="-78"/>
+                <a:cs typeface="Adelle Sans Devanagari" panose="02000503000000020004" pitchFamily="2" charset="-78"/>
+              </a:rPr>
+              <a:t>Link: </a:t>
+            </a:r>
+            <a:r>
+              <a:rPr lang="en-US" sz="1600" kern="1200" dirty="0">
+                <a:solidFill>
+                  <a:schemeClr val="tx1"/>
+                </a:solidFill>
+                <a:latin typeface="Adelle Sans Devanagari" panose="02000503000000020004" pitchFamily="2" charset="-78"/>
+                <a:cs typeface="Adelle Sans Devanagari" panose="02000503000000020004" pitchFamily="2" charset="-78"/>
+                <a:hlinkClick r:id="rId2"/>
+              </a:rPr>
+              <a:t>https://github.com/BalasubramanyamEvani/ScriptChain-Health-Assessment</a:t>
+            </a:r>
+            <a:br>
+              <a:rPr lang="en-US" sz="1600" kern="1200" dirty="0">
+                <a:solidFill>
+                  <a:schemeClr val="tx1"/>
+                </a:solidFill>
+                <a:latin typeface="Adelle Sans Devanagari" panose="02000503000000020004" pitchFamily="2" charset="-78"/>
+                <a:cs typeface="Adelle Sans Devanagari" panose="02000503000000020004" pitchFamily="2" charset="-78"/>
+              </a:rPr>
+            </a:br>
+            <a:endParaRPr lang="en-US" sz="1600" kern="1200" dirty="0">
+              <a:solidFill>
+                <a:schemeClr val="tx1"/>
+              </a:solidFill>
+              <a:latin typeface="Adelle Sans Devanagari" panose="02000503000000020004" pitchFamily="2" charset="-78"/>
+              <a:cs typeface="Adelle Sans Devanagari" panose="02000503000000020004" pitchFamily="2" charset="-78"/>
+            </a:endParaRPr>
           </a:p>
         </p:txBody>
       </p:sp>

--- a/presentation.pptx
+++ b/presentation.pptx
@@ -3588,7 +3588,7 @@
           </a:ln>
           <a:extLst>
             <a:ext uri="{C572A759-6A51-4108-AA02-DFA0A04FC94B}">
-              <ma14:wrappingTextBoxFlag xmlns:ma14="http://schemas.microsoft.com/office/mac/drawingml/2011/main" xmlns:a14="http://schemas.microsoft.com/office/drawing/2010/main" xmlns:m="http://schemas.openxmlformats.org/officeDocument/2006/math" xmlns="" val="1"/>
+              <ma14:wrappingTextBoxFlag xmlns="" xmlns:m="http://schemas.openxmlformats.org/officeDocument/2006/math" xmlns:a14="http://schemas.microsoft.com/office/drawing/2010/main" xmlns:ma14="http://schemas.microsoft.com/office/mac/drawingml/2011/main" val="1"/>
             </a:ext>
           </a:extLst>
         </p:spPr>
@@ -3662,7 +3662,7 @@
           </a:ln>
           <a:extLst>
             <a:ext uri="{C572A759-6A51-4108-AA02-DFA0A04FC94B}">
-              <ma14:wrappingTextBoxFlag xmlns:ma14="http://schemas.microsoft.com/office/mac/drawingml/2011/main" xmlns:a14="http://schemas.microsoft.com/office/drawing/2010/main" xmlns:m="http://schemas.openxmlformats.org/officeDocument/2006/math" xmlns="" val="1"/>
+              <ma14:wrappingTextBoxFlag xmlns="" xmlns:m="http://schemas.openxmlformats.org/officeDocument/2006/math" xmlns:a14="http://schemas.microsoft.com/office/drawing/2010/main" xmlns:ma14="http://schemas.microsoft.com/office/mac/drawingml/2011/main" val="1"/>
             </a:ext>
           </a:extLst>
         </p:spPr>
@@ -3881,7 +3881,7 @@
           </a:ln>
           <a:extLst>
             <a:ext uri="{C572A759-6A51-4108-AA02-DFA0A04FC94B}">
-              <ma14:wrappingTextBoxFlag xmlns:ma14="http://schemas.microsoft.com/office/mac/drawingml/2011/main" xmlns:a14="http://schemas.microsoft.com/office/drawing/2010/main" xmlns:m="http://schemas.openxmlformats.org/officeDocument/2006/math" xmlns="" val="1"/>
+              <ma14:wrappingTextBoxFlag xmlns="" xmlns:m="http://schemas.openxmlformats.org/officeDocument/2006/math" xmlns:a14="http://schemas.microsoft.com/office/drawing/2010/main" xmlns:ma14="http://schemas.microsoft.com/office/mac/drawingml/2011/main" val="1"/>
             </a:ext>
           </a:extLst>
         </p:spPr>
@@ -4416,7 +4416,7 @@
                 <a:latin typeface="Adelle Sans Devanagari" panose="02000503000000020004" pitchFamily="2" charset="-78"/>
                 <a:cs typeface="Adelle Sans Devanagari" panose="02000503000000020004" pitchFamily="2" charset="-78"/>
               </a:rPr>
-              <a:t>| Dummy Dataset, Stacked Multi-Head  Self Attention Deep Net, </a:t>
+              <a:t>| Dummy Dataset, Stacked Multi-Head  Self Attention Deep Net Architecture, </a:t>
             </a:r>
             <a:endParaRPr lang="en-US" sz="2400" b="1" dirty="0">
               <a:latin typeface="Adelle Sans Devanagari" panose="02000503000000020004" pitchFamily="2" charset="-78"/>
@@ -4568,7 +4568,7 @@
         </p:nvSpPr>
         <p:spPr>
           <a:xfrm>
-            <a:off x="818708" y="1669312"/>
+            <a:off x="689344" y="1318438"/>
             <a:ext cx="10813311" cy="4827181"/>
           </a:xfrm>
           <a:prstGeom prst="rect">
@@ -4653,20 +4653,6 @@
             </a:endParaRPr>
           </a:p>
           <a:p>
-            <a:pPr marL="342900" indent="-342900">
-              <a:buFont typeface="Arial" panose="020B0604020202020204" pitchFamily="34" charset="0"/>
-              <a:buChar char="•"/>
-            </a:pPr>
-            <a:endParaRPr lang="en-US" sz="2800" b="1" dirty="0">
-              <a:latin typeface="Adelle Sans Devanagari" panose="02000503000000020004" pitchFamily="2" charset="-78"/>
-              <a:cs typeface="Adelle Sans Devanagari" panose="02000503000000020004" pitchFamily="2" charset="-78"/>
-            </a:endParaRPr>
-          </a:p>
-          <a:p>
-            <a:pPr marL="342900" indent="-342900">
-              <a:buFont typeface="Arial" panose="020B0604020202020204" pitchFamily="34" charset="0"/>
-              <a:buChar char="•"/>
-            </a:pPr>
             <a:endParaRPr lang="en-US" sz="2800" b="1" dirty="0">
               <a:latin typeface="Adelle Sans Devanagari" panose="02000503000000020004" pitchFamily="2" charset="-78"/>
               <a:cs typeface="Adelle Sans Devanagari" panose="02000503000000020004" pitchFamily="2" charset="-78"/>
@@ -5159,296 +5145,489 @@
           </a:p>
         </p:txBody>
       </p:sp>
-      <p:sp>
-        <p:nvSpPr>
-          <p:cNvPr id="2" name="TextBox 1">
-            <a:extLst>
-              <a:ext uri="{FF2B5EF4-FFF2-40B4-BE49-F238E27FC236}">
-                <a16:creationId xmlns:a16="http://schemas.microsoft.com/office/drawing/2014/main" id="{89EDC03C-C5A9-BF2E-8742-0BEDB190BD79}"/>
-              </a:ext>
-            </a:extLst>
-          </p:cNvPr>
-          <p:cNvSpPr txBox="1"/>
-          <p:nvPr/>
-        </p:nvSpPr>
-        <p:spPr>
-          <a:xfrm>
-            <a:off x="630936" y="2807208"/>
-            <a:ext cx="4023360" cy="3411272"/>
-          </a:xfrm>
-          <a:prstGeom prst="rect">
-            <a:avLst/>
-          </a:prstGeom>
-        </p:spPr>
-        <p:txBody>
-          <a:bodyPr vert="horz" lIns="91440" tIns="45720" rIns="91440" bIns="45720" rtlCol="0" anchor="t">
-            <a:normAutofit fontScale="70000" lnSpcReduction="20000"/>
-          </a:bodyPr>
-          <a:lstStyle/>
-          <a:p>
-            <a:pPr marL="285750" indent="-228600">
-              <a:lnSpc>
-                <a:spcPct val="90000"/>
-              </a:lnSpc>
-              <a:spcAft>
-                <a:spcPts val="600"/>
-              </a:spcAft>
-              <a:buFont typeface="Arial" panose="020B0604020202020204" pitchFamily="34" charset="0"/>
-              <a:buChar char="•"/>
-            </a:pPr>
-            <a:r>
-              <a:rPr lang="en-US" sz="2600" u="sng" dirty="0">
-                <a:latin typeface="Adelle Sans Devanagari" panose="02000503000000020004" pitchFamily="2" charset="-78"/>
-                <a:cs typeface="Adelle Sans Devanagari" panose="02000503000000020004" pitchFamily="2" charset="-78"/>
-              </a:rPr>
-              <a:t>Hypothesis 1</a:t>
-            </a:r>
-            <a:r>
-              <a:rPr lang="en-US" sz="2600" dirty="0">
-                <a:latin typeface="Adelle Sans Devanagari" panose="02000503000000020004" pitchFamily="2" charset="-78"/>
-                <a:cs typeface="Adelle Sans Devanagari" panose="02000503000000020004" pitchFamily="2" charset="-78"/>
-              </a:rPr>
-              <a:t>: Increase in Compute Complexity</a:t>
-            </a:r>
-          </a:p>
-          <a:p>
-            <a:pPr indent="-228600">
-              <a:lnSpc>
-                <a:spcPct val="90000"/>
-              </a:lnSpc>
-              <a:spcAft>
-                <a:spcPts val="600"/>
-              </a:spcAft>
-              <a:buFont typeface="Arial" panose="020B0604020202020204" pitchFamily="34" charset="0"/>
-              <a:buChar char="•"/>
-            </a:pPr>
-            <a:endParaRPr lang="en-US" sz="2000" dirty="0">
-              <a:latin typeface="Adelle Sans Devanagari" panose="02000503000000020004" pitchFamily="2" charset="-78"/>
-              <a:cs typeface="Adelle Sans Devanagari" panose="02000503000000020004" pitchFamily="2" charset="-78"/>
-            </a:endParaRPr>
-          </a:p>
-          <a:p>
-            <a:pPr marL="742950" lvl="1" indent="-228600">
-              <a:lnSpc>
-                <a:spcPct val="90000"/>
-              </a:lnSpc>
-              <a:spcAft>
-                <a:spcPts val="600"/>
-              </a:spcAft>
-              <a:buFont typeface="Arial" panose="020B0604020202020204" pitchFamily="34" charset="0"/>
-              <a:buChar char="•"/>
-            </a:pPr>
-            <a:r>
-              <a:rPr lang="en-US" sz="2000" dirty="0">
-                <a:latin typeface="Adelle Sans Devanagari" panose="02000503000000020004" pitchFamily="2" charset="-78"/>
-                <a:cs typeface="Adelle Sans Devanagari" panose="02000503000000020004" pitchFamily="2" charset="-78"/>
-              </a:rPr>
-              <a:t>Considers full context</a:t>
-            </a:r>
-          </a:p>
-          <a:p>
-            <a:pPr marL="514350" lvl="1">
-              <a:lnSpc>
-                <a:spcPct val="90000"/>
-              </a:lnSpc>
-              <a:spcAft>
-                <a:spcPts val="600"/>
-              </a:spcAft>
-            </a:pPr>
-            <a:endParaRPr lang="en-US" sz="2000" dirty="0">
-              <a:latin typeface="Adelle Sans Devanagari" panose="02000503000000020004" pitchFamily="2" charset="-78"/>
-              <a:cs typeface="Adelle Sans Devanagari" panose="02000503000000020004" pitchFamily="2" charset="-78"/>
-            </a:endParaRPr>
-          </a:p>
-          <a:p>
-            <a:pPr marL="742950" lvl="1" indent="-228600">
-              <a:lnSpc>
-                <a:spcPct val="90000"/>
-              </a:lnSpc>
-              <a:spcAft>
-                <a:spcPts val="600"/>
-              </a:spcAft>
-              <a:buFont typeface="Arial" panose="020B0604020202020204" pitchFamily="34" charset="0"/>
-              <a:buChar char="•"/>
-            </a:pPr>
-            <a:r>
-              <a:rPr lang="en-US" sz="2000" dirty="0">
-                <a:latin typeface="Adelle Sans Devanagari" panose="02000503000000020004" pitchFamily="2" charset="-78"/>
-                <a:cs typeface="Adelle Sans Devanagari" panose="02000503000000020004" pitchFamily="2" charset="-78"/>
-              </a:rPr>
-              <a:t>Parallelizable. </a:t>
-            </a:r>
-            <a:r>
-              <a:rPr lang="en-US" sz="2000" dirty="0">
-                <a:solidFill>
-                  <a:schemeClr val="accent6">
-                    <a:lumMod val="75000"/>
-                  </a:schemeClr>
-                </a:solidFill>
-                <a:latin typeface="Adelle Sans Devanagari" panose="02000503000000020004" pitchFamily="2" charset="-78"/>
-                <a:cs typeface="Adelle Sans Devanagari" panose="02000503000000020004" pitchFamily="2" charset="-78"/>
-              </a:rPr>
-              <a:t>Good!</a:t>
-            </a:r>
-          </a:p>
-          <a:p>
-            <a:pPr marL="742950" lvl="1" indent="-228600">
-              <a:lnSpc>
-                <a:spcPct val="90000"/>
-              </a:lnSpc>
-              <a:spcAft>
-                <a:spcPts val="600"/>
-              </a:spcAft>
-              <a:buFont typeface="Arial" panose="020B0604020202020204" pitchFamily="34" charset="0"/>
-              <a:buChar char="•"/>
-            </a:pPr>
-            <a:endParaRPr lang="en-US" sz="2000" b="0" i="0" dirty="0">
-              <a:effectLst/>
-              <a:latin typeface="Adelle Sans Devanagari" panose="02000503000000020004" pitchFamily="2" charset="-78"/>
-              <a:cs typeface="Adelle Sans Devanagari" panose="02000503000000020004" pitchFamily="2" charset="-78"/>
-            </a:endParaRPr>
-          </a:p>
-          <a:p>
-            <a:pPr marL="742950" lvl="1" indent="-228600">
-              <a:lnSpc>
-                <a:spcPct val="90000"/>
-              </a:lnSpc>
-              <a:spcAft>
-                <a:spcPts val="600"/>
-              </a:spcAft>
-              <a:buFont typeface="Arial" panose="020B0604020202020204" pitchFamily="34" charset="0"/>
-              <a:buChar char="•"/>
-            </a:pPr>
-            <a:r>
-              <a:rPr lang="en-US" sz="2000" b="0" i="0" dirty="0">
-                <a:effectLst/>
-                <a:latin typeface="Adelle Sans Devanagari" panose="02000503000000020004" pitchFamily="2" charset="-78"/>
-                <a:cs typeface="Adelle Sans Devanagari" panose="02000503000000020004" pitchFamily="2" charset="-78"/>
-              </a:rPr>
-              <a:t>But </a:t>
-            </a:r>
-            <a:r>
-              <a:rPr lang="en-US" sz="2000" i="0" dirty="0">
-                <a:solidFill>
-                  <a:srgbClr val="FF0000"/>
-                </a:solidFill>
-                <a:effectLst/>
-                <a:latin typeface="Adelle Sans Devanagari" panose="02000503000000020004" pitchFamily="2" charset="-78"/>
-                <a:cs typeface="Adelle Sans Devanagari" panose="02000503000000020004" pitchFamily="2" charset="-78"/>
-              </a:rPr>
-              <a:t>Computational Cost: O(T</a:t>
-            </a:r>
-            <a:r>
-              <a:rPr lang="en-US" sz="2000" i="0" baseline="30000" dirty="0">
-                <a:solidFill>
-                  <a:srgbClr val="FF0000"/>
-                </a:solidFill>
-                <a:effectLst/>
-                <a:latin typeface="Adelle Sans Devanagari" panose="02000503000000020004" pitchFamily="2" charset="-78"/>
-                <a:cs typeface="Adelle Sans Devanagari" panose="02000503000000020004" pitchFamily="2" charset="-78"/>
-              </a:rPr>
-              <a:t>2</a:t>
-            </a:r>
-            <a:r>
-              <a:rPr lang="en-US" sz="2000" i="0" dirty="0">
-                <a:solidFill>
-                  <a:srgbClr val="FF0000"/>
-                </a:solidFill>
-                <a:effectLst/>
-                <a:latin typeface="Adelle Sans Devanagari" panose="02000503000000020004" pitchFamily="2" charset="-78"/>
-                <a:cs typeface="Adelle Sans Devanagari" panose="02000503000000020004" pitchFamily="2" charset="-78"/>
-              </a:rPr>
-              <a:t>) where T is the sequence length. This is very expensive. Stacking would multiply it by number of stacked layers</a:t>
-            </a:r>
-          </a:p>
-          <a:p>
-            <a:pPr marL="514350" lvl="1">
-              <a:lnSpc>
-                <a:spcPct val="90000"/>
-              </a:lnSpc>
-              <a:spcAft>
-                <a:spcPts val="600"/>
-              </a:spcAft>
-            </a:pPr>
-            <a:endParaRPr lang="en-US" sz="2000" i="0" dirty="0">
-              <a:solidFill>
-                <a:srgbClr val="FF0000"/>
-              </a:solidFill>
-              <a:effectLst/>
-              <a:latin typeface="Adelle Sans Devanagari" panose="02000503000000020004" pitchFamily="2" charset="-78"/>
-              <a:cs typeface="Adelle Sans Devanagari" panose="02000503000000020004" pitchFamily="2" charset="-78"/>
-            </a:endParaRPr>
-          </a:p>
-          <a:p>
-            <a:pPr marL="742950" lvl="1" indent="-228600">
-              <a:lnSpc>
-                <a:spcPct val="90000"/>
-              </a:lnSpc>
-              <a:spcAft>
-                <a:spcPts val="600"/>
-              </a:spcAft>
-              <a:buFont typeface="Arial" panose="020B0604020202020204" pitchFamily="34" charset="0"/>
-              <a:buChar char="•"/>
-            </a:pPr>
-            <a:r>
-              <a:rPr lang="en-US" sz="2000" dirty="0">
-                <a:solidFill>
-                  <a:srgbClr val="374151"/>
-                </a:solidFill>
-                <a:latin typeface="Adelle Sans Devanagari" panose="02000503000000020004" pitchFamily="2" charset="-78"/>
-                <a:cs typeface="Adelle Sans Devanagari" panose="02000503000000020004" pitchFamily="2" charset="-78"/>
-              </a:rPr>
-              <a:t>N</a:t>
-            </a:r>
-            <a:r>
-              <a:rPr lang="en-US" sz="2000" b="0" i="0" dirty="0">
-                <a:solidFill>
-                  <a:srgbClr val="374151"/>
-                </a:solidFill>
-                <a:effectLst/>
-                <a:latin typeface="Adelle Sans Devanagari" panose="02000503000000020004" pitchFamily="2" charset="-78"/>
-                <a:cs typeface="Adelle Sans Devanagari" panose="02000503000000020004" pitchFamily="2" charset="-78"/>
-              </a:rPr>
-              <a:t>ecessitate the </a:t>
-            </a:r>
-            <a:r>
-              <a:rPr lang="en-US" sz="2000" b="0" i="0" dirty="0">
-                <a:solidFill>
-                  <a:srgbClr val="FF0000"/>
-                </a:solidFill>
-                <a:effectLst/>
-                <a:latin typeface="Adelle Sans Devanagari" panose="02000503000000020004" pitchFamily="2" charset="-78"/>
-                <a:cs typeface="Adelle Sans Devanagari" panose="02000503000000020004" pitchFamily="2" charset="-78"/>
-              </a:rPr>
-              <a:t>use of significant computational resources</a:t>
-            </a:r>
-            <a:endParaRPr lang="en-US" sz="2000" i="0" dirty="0">
-              <a:solidFill>
-                <a:srgbClr val="FF0000"/>
-              </a:solidFill>
-              <a:effectLst/>
-              <a:latin typeface="Adelle Sans Devanagari" panose="02000503000000020004" pitchFamily="2" charset="-78"/>
-              <a:cs typeface="Adelle Sans Devanagari" panose="02000503000000020004" pitchFamily="2" charset="-78"/>
-            </a:endParaRPr>
-          </a:p>
-          <a:p>
-            <a:pPr marL="742950" lvl="1" indent="-228600">
-              <a:lnSpc>
-                <a:spcPct val="90000"/>
-              </a:lnSpc>
-              <a:spcAft>
-                <a:spcPts val="600"/>
-              </a:spcAft>
-              <a:buFont typeface="Arial" panose="020B0604020202020204" pitchFamily="34" charset="0"/>
-              <a:buChar char="•"/>
-            </a:pPr>
-            <a:endParaRPr lang="en-US" sz="2000" dirty="0">
-              <a:latin typeface="Adelle Sans Devanagari" panose="02000503000000020004" pitchFamily="2" charset="-78"/>
-              <a:cs typeface="Adelle Sans Devanagari" panose="02000503000000020004" pitchFamily="2" charset="-78"/>
-            </a:endParaRPr>
-          </a:p>
-        </p:txBody>
-      </p:sp>
+      <mc:AlternateContent xmlns:mc="http://schemas.openxmlformats.org/markup-compatibility/2006">
+        <mc:Choice xmlns:a14="http://schemas.microsoft.com/office/drawing/2010/main" Requires="a14">
+          <p:sp>
+            <p:nvSpPr>
+              <p:cNvPr id="2" name="TextBox 1">
+                <a:extLst>
+                  <a:ext uri="{FF2B5EF4-FFF2-40B4-BE49-F238E27FC236}">
+                    <a16:creationId xmlns:a16="http://schemas.microsoft.com/office/drawing/2014/main" id="{89EDC03C-C5A9-BF2E-8742-0BEDB190BD79}"/>
+                  </a:ext>
+                </a:extLst>
+              </p:cNvPr>
+              <p:cNvSpPr txBox="1"/>
+              <p:nvPr/>
+            </p:nvSpPr>
+            <p:spPr>
+              <a:xfrm>
+                <a:off x="630936" y="2807208"/>
+                <a:ext cx="4023360" cy="3411272"/>
+              </a:xfrm>
+              <a:prstGeom prst="rect">
+                <a:avLst/>
+              </a:prstGeom>
+            </p:spPr>
+            <p:txBody>
+              <a:bodyPr vert="horz" lIns="91440" tIns="45720" rIns="91440" bIns="45720" rtlCol="0" anchor="t">
+                <a:noAutofit/>
+              </a:bodyPr>
+              <a:lstStyle/>
+              <a:p>
+                <a:pPr marL="285750" indent="-228600">
+                  <a:lnSpc>
+                    <a:spcPct val="90000"/>
+                  </a:lnSpc>
+                  <a:spcAft>
+                    <a:spcPts val="600"/>
+                  </a:spcAft>
+                  <a:buFont typeface="Arial" panose="020B0604020202020204" pitchFamily="34" charset="0"/>
+                  <a:buChar char="•"/>
+                </a:pPr>
+                <a:r>
+                  <a:rPr lang="en-US" sz="1200" u="sng" dirty="0">
+                    <a:latin typeface="Adelle Sans Devanagari" panose="02000503000000020004" pitchFamily="2" charset="-78"/>
+                    <a:cs typeface="Adelle Sans Devanagari" panose="02000503000000020004" pitchFamily="2" charset="-78"/>
+                  </a:rPr>
+                  <a:t>Hypothesis 1</a:t>
+                </a:r>
+                <a:r>
+                  <a:rPr lang="en-US" sz="1200" dirty="0">
+                    <a:latin typeface="Adelle Sans Devanagari" panose="02000503000000020004" pitchFamily="2" charset="-78"/>
+                    <a:cs typeface="Adelle Sans Devanagari" panose="02000503000000020004" pitchFamily="2" charset="-78"/>
+                  </a:rPr>
+                  <a:t>: Increase in Compute Complexity</a:t>
+                </a:r>
+              </a:p>
+              <a:p>
+                <a:pPr indent="-228600">
+                  <a:lnSpc>
+                    <a:spcPct val="90000"/>
+                  </a:lnSpc>
+                  <a:spcAft>
+                    <a:spcPts val="600"/>
+                  </a:spcAft>
+                  <a:buFont typeface="Arial" panose="020B0604020202020204" pitchFamily="34" charset="0"/>
+                  <a:buChar char="•"/>
+                </a:pPr>
+                <a:endParaRPr lang="en-US" sz="1200" dirty="0">
+                  <a:latin typeface="Adelle Sans Devanagari" panose="02000503000000020004" pitchFamily="2" charset="-78"/>
+                  <a:cs typeface="Adelle Sans Devanagari" panose="02000503000000020004" pitchFamily="2" charset="-78"/>
+                </a:endParaRPr>
+              </a:p>
+              <a:p>
+                <a:pPr marL="742950" lvl="1" indent="-228600">
+                  <a:lnSpc>
+                    <a:spcPct val="90000"/>
+                  </a:lnSpc>
+                  <a:spcAft>
+                    <a:spcPts val="600"/>
+                  </a:spcAft>
+                  <a:buFont typeface="Arial" panose="020B0604020202020204" pitchFamily="34" charset="0"/>
+                  <a:buChar char="•"/>
+                </a:pPr>
+                <a:r>
+                  <a:rPr lang="en-US" sz="1200" dirty="0">
+                    <a:latin typeface="Adelle Sans Devanagari" panose="02000503000000020004" pitchFamily="2" charset="-78"/>
+                    <a:cs typeface="Adelle Sans Devanagari" panose="02000503000000020004" pitchFamily="2" charset="-78"/>
+                  </a:rPr>
+                  <a:t>Considers full context</a:t>
+                </a:r>
+              </a:p>
+              <a:p>
+                <a:pPr marL="742950" lvl="1" indent="-228600">
+                  <a:lnSpc>
+                    <a:spcPct val="90000"/>
+                  </a:lnSpc>
+                  <a:spcAft>
+                    <a:spcPts val="600"/>
+                  </a:spcAft>
+                  <a:buFont typeface="Arial" panose="020B0604020202020204" pitchFamily="34" charset="0"/>
+                  <a:buChar char="•"/>
+                </a:pPr>
+                <a:endParaRPr lang="en-US" sz="1200" dirty="0">
+                  <a:latin typeface="Adelle Sans Devanagari" panose="02000503000000020004" pitchFamily="2" charset="-78"/>
+                  <a:cs typeface="Adelle Sans Devanagari" panose="02000503000000020004" pitchFamily="2" charset="-78"/>
+                </a:endParaRPr>
+              </a:p>
+              <a:p>
+                <a:pPr marL="742950" lvl="1" indent="-228600">
+                  <a:lnSpc>
+                    <a:spcPct val="90000"/>
+                  </a:lnSpc>
+                  <a:spcAft>
+                    <a:spcPts val="600"/>
+                  </a:spcAft>
+                  <a:buFont typeface="Arial" panose="020B0604020202020204" pitchFamily="34" charset="0"/>
+                  <a:buChar char="•"/>
+                </a:pPr>
+                <a:r>
+                  <a:rPr lang="en-US" sz="1200" b="1" dirty="0" err="1">
+                    <a:latin typeface="Adelle Sans Devanagari" panose="02000503000000020004" pitchFamily="2" charset="-78"/>
+                    <a:cs typeface="Adelle Sans Devanagari" panose="02000503000000020004" pitchFamily="2" charset="-78"/>
+                  </a:rPr>
+                  <a:t>O</a:t>
+                </a:r>
+                <a:r>
+                  <a:rPr lang="en-US" sz="1200" b="1" baseline="-25000" dirty="0" err="1">
+                    <a:latin typeface="Adelle Sans Devanagari" panose="02000503000000020004" pitchFamily="2" charset="-78"/>
+                    <a:cs typeface="Adelle Sans Devanagari" panose="02000503000000020004" pitchFamily="2" charset="-78"/>
+                  </a:rPr>
+                  <a:t>t</a:t>
+                </a:r>
+                <a:r>
+                  <a:rPr lang="en-US" sz="1200" b="1" baseline="-25000" dirty="0">
+                    <a:latin typeface="Adelle Sans Devanagari" panose="02000503000000020004" pitchFamily="2" charset="-78"/>
+                    <a:cs typeface="Adelle Sans Devanagari" panose="02000503000000020004" pitchFamily="2" charset="-78"/>
+                  </a:rPr>
+                  <a:t> </a:t>
+                </a:r>
+                <a:r>
+                  <a:rPr lang="en-US" sz="1200" b="1" dirty="0">
+                    <a:latin typeface="Adelle Sans Devanagari" panose="02000503000000020004" pitchFamily="2" charset="-78"/>
+                    <a:cs typeface="Adelle Sans Devanagari" panose="02000503000000020004" pitchFamily="2" charset="-78"/>
+                  </a:rPr>
+                  <a:t>= </a:t>
+                </a:r>
+                <a14:m>
+                  <m:oMath xmlns:m="http://schemas.openxmlformats.org/officeDocument/2006/math">
+                    <m:r>
+                      <a:rPr lang="el-GR" sz="1200" b="1" i="1" smtClean="0">
+                        <a:ea typeface="Cambria Math" panose="02040503050406030204" pitchFamily="18" charset="0"/>
+                        <a:cs typeface="Adelle Sans Devanagari" panose="02000503000000020004" pitchFamily="2" charset="-78"/>
+                      </a:rPr>
+                      <m:t>𝜮</m:t>
+                    </m:r>
+                    <m:r>
+                      <a:rPr lang="en-US" sz="1200" b="1" i="1" smtClean="0">
+                        <a:ea typeface="Cambria Math" panose="02040503050406030204" pitchFamily="18" charset="0"/>
+                        <a:cs typeface="Adelle Sans Devanagari" panose="02000503000000020004" pitchFamily="2" charset="-78"/>
+                      </a:rPr>
+                      <m:t>𝒂</m:t>
+                    </m:r>
+                    <m:r>
+                      <a:rPr lang="en-US" sz="1200" b="1" i="1" baseline="-25000" smtClean="0">
+                        <a:ea typeface="Cambria Math" panose="02040503050406030204" pitchFamily="18" charset="0"/>
+                        <a:cs typeface="Adelle Sans Devanagari" panose="02000503000000020004" pitchFamily="2" charset="-78"/>
+                      </a:rPr>
+                      <m:t>𝒕𝒕</m:t>
+                    </m:r>
+                    <m:r>
+                      <a:rPr lang="en-US" sz="1200" b="1" i="1" baseline="-25000" smtClean="0">
+                        <a:ea typeface="Cambria Math" panose="02040503050406030204" pitchFamily="18" charset="0"/>
+                        <a:cs typeface="Adelle Sans Devanagari" panose="02000503000000020004" pitchFamily="2" charset="-78"/>
+                      </a:rPr>
+                      <m:t>′ </m:t>
+                    </m:r>
+                    <m:r>
+                      <a:rPr lang="en-US" sz="1200" b="1" i="1" smtClean="0">
+                        <a:ea typeface="Cambria Math" panose="02040503050406030204" pitchFamily="18" charset="0"/>
+                        <a:cs typeface="Adelle Sans Devanagari" panose="02000503000000020004" pitchFamily="2" charset="-78"/>
+                      </a:rPr>
+                      <m:t>𝒗𝒕</m:t>
+                    </m:r>
+                    <m:r>
+                      <a:rPr lang="en-US" sz="1200" b="1" i="1" baseline="-25000" smtClean="0">
+                        <a:latin typeface="Cambria Math" panose="02040503050406030204" pitchFamily="18" charset="0"/>
+                        <a:ea typeface="Cambria Math" panose="02040503050406030204" pitchFamily="18" charset="0"/>
+                        <a:cs typeface="Adelle Sans Devanagari" panose="02000503000000020004" pitchFamily="2" charset="-78"/>
+                      </a:rPr>
+                      <m:t>′</m:t>
+                    </m:r>
+                  </m:oMath>
+                </a14:m>
+                <a:r>
+                  <a:rPr lang="en-US" sz="1200" b="1" baseline="-25000" dirty="0">
+                    <a:latin typeface="Adelle Sans Devanagari" panose="02000503000000020004" pitchFamily="2" charset="-78"/>
+                    <a:cs typeface="Adelle Sans Devanagari" panose="02000503000000020004" pitchFamily="2" charset="-78"/>
+                  </a:rPr>
+                  <a:t>, </a:t>
+                </a:r>
+                <a:r>
+                  <a:rPr lang="en-US" sz="1200" baseline="-25000" dirty="0">
+                    <a:latin typeface="Adelle Sans Devanagari" panose="02000503000000020004" pitchFamily="2" charset="-78"/>
+                    <a:cs typeface="Adelle Sans Devanagari" panose="02000503000000020004" pitchFamily="2" charset="-78"/>
+                  </a:rPr>
+                  <a:t>where</a:t>
+                </a:r>
+                <a:r>
+                  <a:rPr lang="en-US" sz="1200" dirty="0">
+                    <a:latin typeface="Adelle Sans Devanagari" panose="02000503000000020004" pitchFamily="2" charset="-78"/>
+                    <a:cs typeface="Adelle Sans Devanagari" panose="02000503000000020004" pitchFamily="2" charset="-78"/>
+                  </a:rPr>
+                  <a:t> </a:t>
+                </a:r>
+                <a:r>
+                  <a:rPr lang="en-US" sz="1200" dirty="0" err="1">
+                    <a:latin typeface="Adelle Sans Devanagari" panose="02000503000000020004" pitchFamily="2" charset="-78"/>
+                    <a:cs typeface="Adelle Sans Devanagari" panose="02000503000000020004" pitchFamily="2" charset="-78"/>
+                  </a:rPr>
+                  <a:t>a</a:t>
+                </a:r>
+                <a:r>
+                  <a:rPr lang="en-US" sz="1200" baseline="-25000" dirty="0" err="1">
+                    <a:latin typeface="Adelle Sans Devanagari" panose="02000503000000020004" pitchFamily="2" charset="-78"/>
+                    <a:cs typeface="Adelle Sans Devanagari" panose="02000503000000020004" pitchFamily="2" charset="-78"/>
+                  </a:rPr>
+                  <a:t>tt</a:t>
+                </a:r>
+                <a:r>
+                  <a:rPr lang="en-US" sz="1200" baseline="-25000" dirty="0">
+                    <a:latin typeface="Adelle Sans Devanagari" panose="02000503000000020004" pitchFamily="2" charset="-78"/>
+                    <a:cs typeface="Adelle Sans Devanagari" panose="02000503000000020004" pitchFamily="2" charset="-78"/>
+                  </a:rPr>
+                  <a:t> are attention scores</a:t>
+                </a:r>
+              </a:p>
+              <a:p>
+                <a:pPr marL="514350" lvl="1">
+                  <a:lnSpc>
+                    <a:spcPct val="90000"/>
+                  </a:lnSpc>
+                  <a:spcAft>
+                    <a:spcPts val="600"/>
+                  </a:spcAft>
+                </a:pPr>
+                <a:endParaRPr lang="en-US" sz="1200" dirty="0">
+                  <a:latin typeface="Adelle Sans Devanagari" panose="02000503000000020004" pitchFamily="2" charset="-78"/>
+                  <a:cs typeface="Adelle Sans Devanagari" panose="02000503000000020004" pitchFamily="2" charset="-78"/>
+                </a:endParaRPr>
+              </a:p>
+              <a:p>
+                <a:pPr marL="742950" lvl="1" indent="-228600">
+                  <a:lnSpc>
+                    <a:spcPct val="90000"/>
+                  </a:lnSpc>
+                  <a:spcAft>
+                    <a:spcPts val="600"/>
+                  </a:spcAft>
+                  <a:buFont typeface="Arial" panose="020B0604020202020204" pitchFamily="34" charset="0"/>
+                  <a:buChar char="•"/>
+                </a:pPr>
+                <a:r>
+                  <a:rPr lang="en-US" sz="1200" dirty="0">
+                    <a:latin typeface="Adelle Sans Devanagari" panose="02000503000000020004" pitchFamily="2" charset="-78"/>
+                    <a:cs typeface="Adelle Sans Devanagari" panose="02000503000000020004" pitchFamily="2" charset="-78"/>
+                  </a:rPr>
+                  <a:t>Parallelizable. </a:t>
+                </a:r>
+                <a:r>
+                  <a:rPr lang="en-US" sz="1200" dirty="0">
+                    <a:solidFill>
+                      <a:schemeClr val="accent6">
+                        <a:lumMod val="75000"/>
+                      </a:schemeClr>
+                    </a:solidFill>
+                    <a:latin typeface="Adelle Sans Devanagari" panose="02000503000000020004" pitchFamily="2" charset="-78"/>
+                    <a:cs typeface="Adelle Sans Devanagari" panose="02000503000000020004" pitchFamily="2" charset="-78"/>
+                  </a:rPr>
+                  <a:t>Good!</a:t>
+                </a:r>
+              </a:p>
+              <a:p>
+                <a:pPr marL="742950" lvl="1" indent="-228600">
+                  <a:lnSpc>
+                    <a:spcPct val="90000"/>
+                  </a:lnSpc>
+                  <a:spcAft>
+                    <a:spcPts val="600"/>
+                  </a:spcAft>
+                  <a:buFont typeface="Arial" panose="020B0604020202020204" pitchFamily="34" charset="0"/>
+                  <a:buChar char="•"/>
+                </a:pPr>
+                <a:endParaRPr lang="en-US" sz="1200" b="0" i="0" dirty="0">
+                  <a:effectLst/>
+                  <a:latin typeface="Adelle Sans Devanagari" panose="02000503000000020004" pitchFamily="2" charset="-78"/>
+                  <a:cs typeface="Adelle Sans Devanagari" panose="02000503000000020004" pitchFamily="2" charset="-78"/>
+                </a:endParaRPr>
+              </a:p>
+              <a:p>
+                <a:pPr marL="742950" lvl="1" indent="-228600">
+                  <a:lnSpc>
+                    <a:spcPct val="90000"/>
+                  </a:lnSpc>
+                  <a:spcAft>
+                    <a:spcPts val="600"/>
+                  </a:spcAft>
+                  <a:buFont typeface="Arial" panose="020B0604020202020204" pitchFamily="34" charset="0"/>
+                  <a:buChar char="•"/>
+                </a:pPr>
+                <a:r>
+                  <a:rPr lang="en-US" sz="1200" b="0" i="0" dirty="0">
+                    <a:effectLst/>
+                    <a:latin typeface="Adelle Sans Devanagari" panose="02000503000000020004" pitchFamily="2" charset="-78"/>
+                    <a:cs typeface="Adelle Sans Devanagari" panose="02000503000000020004" pitchFamily="2" charset="-78"/>
+                  </a:rPr>
+                  <a:t>But </a:t>
+                </a:r>
+                <a:r>
+                  <a:rPr lang="en-US" sz="1200" i="0" dirty="0">
+                    <a:solidFill>
+                      <a:srgbClr val="FF0000"/>
+                    </a:solidFill>
+                    <a:effectLst/>
+                    <a:latin typeface="Adelle Sans Devanagari" panose="02000503000000020004" pitchFamily="2" charset="-78"/>
+                    <a:cs typeface="Adelle Sans Devanagari" panose="02000503000000020004" pitchFamily="2" charset="-78"/>
+                  </a:rPr>
+                  <a:t>Computational Cost: O(T</a:t>
+                </a:r>
+                <a:r>
+                  <a:rPr lang="en-US" sz="1200" i="0" baseline="30000" dirty="0">
+                    <a:solidFill>
+                      <a:srgbClr val="FF0000"/>
+                    </a:solidFill>
+                    <a:effectLst/>
+                    <a:latin typeface="Adelle Sans Devanagari" panose="02000503000000020004" pitchFamily="2" charset="-78"/>
+                    <a:cs typeface="Adelle Sans Devanagari" panose="02000503000000020004" pitchFamily="2" charset="-78"/>
+                  </a:rPr>
+                  <a:t>2</a:t>
+                </a:r>
+                <a:r>
+                  <a:rPr lang="en-US" sz="1200" i="0" dirty="0">
+                    <a:solidFill>
+                      <a:srgbClr val="FF0000"/>
+                    </a:solidFill>
+                    <a:effectLst/>
+                    <a:latin typeface="Adelle Sans Devanagari" panose="02000503000000020004" pitchFamily="2" charset="-78"/>
+                    <a:cs typeface="Adelle Sans Devanagari" panose="02000503000000020004" pitchFamily="2" charset="-78"/>
+                  </a:rPr>
+                  <a:t>) where T is the sequence length. This is very expensive. Stacking would multiply it by number of stacked layers</a:t>
+                </a:r>
+              </a:p>
+              <a:p>
+                <a:pPr marL="514350" lvl="1">
+                  <a:lnSpc>
+                    <a:spcPct val="90000"/>
+                  </a:lnSpc>
+                  <a:spcAft>
+                    <a:spcPts val="600"/>
+                  </a:spcAft>
+                </a:pPr>
+                <a:endParaRPr lang="en-US" sz="1200" i="0" dirty="0">
+                  <a:solidFill>
+                    <a:srgbClr val="FF0000"/>
+                  </a:solidFill>
+                  <a:effectLst/>
+                  <a:latin typeface="Adelle Sans Devanagari" panose="02000503000000020004" pitchFamily="2" charset="-78"/>
+                  <a:cs typeface="Adelle Sans Devanagari" panose="02000503000000020004" pitchFamily="2" charset="-78"/>
+                </a:endParaRPr>
+              </a:p>
+              <a:p>
+                <a:pPr marL="742950" lvl="1" indent="-228600">
+                  <a:lnSpc>
+                    <a:spcPct val="90000"/>
+                  </a:lnSpc>
+                  <a:spcAft>
+                    <a:spcPts val="600"/>
+                  </a:spcAft>
+                  <a:buFont typeface="Arial" panose="020B0604020202020204" pitchFamily="34" charset="0"/>
+                  <a:buChar char="•"/>
+                </a:pPr>
+                <a:r>
+                  <a:rPr lang="en-US" sz="1200" dirty="0">
+                    <a:solidFill>
+                      <a:srgbClr val="374151"/>
+                    </a:solidFill>
+                    <a:latin typeface="Adelle Sans Devanagari" panose="02000503000000020004" pitchFamily="2" charset="-78"/>
+                    <a:cs typeface="Adelle Sans Devanagari" panose="02000503000000020004" pitchFamily="2" charset="-78"/>
+                  </a:rPr>
+                  <a:t>N</a:t>
+                </a:r>
+                <a:r>
+                  <a:rPr lang="en-US" sz="1200" b="0" i="0" dirty="0">
+                    <a:solidFill>
+                      <a:srgbClr val="374151"/>
+                    </a:solidFill>
+                    <a:effectLst/>
+                    <a:latin typeface="Adelle Sans Devanagari" panose="02000503000000020004" pitchFamily="2" charset="-78"/>
+                    <a:cs typeface="Adelle Sans Devanagari" panose="02000503000000020004" pitchFamily="2" charset="-78"/>
+                  </a:rPr>
+                  <a:t>ecessitate the </a:t>
+                </a:r>
+                <a:r>
+                  <a:rPr lang="en-US" sz="1200" b="0" i="0" dirty="0">
+                    <a:solidFill>
+                      <a:srgbClr val="FF0000"/>
+                    </a:solidFill>
+                    <a:effectLst/>
+                    <a:latin typeface="Adelle Sans Devanagari" panose="02000503000000020004" pitchFamily="2" charset="-78"/>
+                    <a:cs typeface="Adelle Sans Devanagari" panose="02000503000000020004" pitchFamily="2" charset="-78"/>
+                  </a:rPr>
+                  <a:t>use of significant computational resources</a:t>
+                </a:r>
+                <a:endParaRPr lang="en-US" sz="1200" i="0" dirty="0">
+                  <a:solidFill>
+                    <a:srgbClr val="FF0000"/>
+                  </a:solidFill>
+                  <a:effectLst/>
+                  <a:latin typeface="Adelle Sans Devanagari" panose="02000503000000020004" pitchFamily="2" charset="-78"/>
+                  <a:cs typeface="Adelle Sans Devanagari" panose="02000503000000020004" pitchFamily="2" charset="-78"/>
+                </a:endParaRPr>
+              </a:p>
+              <a:p>
+                <a:pPr marL="742950" lvl="1" indent="-228600">
+                  <a:lnSpc>
+                    <a:spcPct val="90000"/>
+                  </a:lnSpc>
+                  <a:spcAft>
+                    <a:spcPts val="600"/>
+                  </a:spcAft>
+                  <a:buFont typeface="Arial" panose="020B0604020202020204" pitchFamily="34" charset="0"/>
+                  <a:buChar char="•"/>
+                </a:pPr>
+                <a:endParaRPr lang="en-US" sz="1200" dirty="0">
+                  <a:latin typeface="Adelle Sans Devanagari" panose="02000503000000020004" pitchFamily="2" charset="-78"/>
+                  <a:cs typeface="Adelle Sans Devanagari" panose="02000503000000020004" pitchFamily="2" charset="-78"/>
+                </a:endParaRPr>
+              </a:p>
+            </p:txBody>
+          </p:sp>
+        </mc:Choice>
+        <mc:Fallback>
+          <p:sp>
+            <p:nvSpPr>
+              <p:cNvPr id="2" name="TextBox 1">
+                <a:extLst>
+                  <a:ext uri="{FF2B5EF4-FFF2-40B4-BE49-F238E27FC236}">
+                    <a16:creationId xmlns:a16="http://schemas.microsoft.com/office/drawing/2014/main" id="{89EDC03C-C5A9-BF2E-8742-0BEDB190BD79}"/>
+                  </a:ext>
+                </a:extLst>
+              </p:cNvPr>
+              <p:cNvSpPr txBox="1">
+                <a:spLocks noRot="1" noChangeAspect="1" noMove="1" noResize="1" noEditPoints="1" noAdjustHandles="1" noChangeArrowheads="1" noChangeShapeType="1" noTextEdit="1"/>
+              </p:cNvSpPr>
+              <p:nvPr/>
+            </p:nvSpPr>
+            <p:spPr>
+              <a:xfrm>
+                <a:off x="630936" y="2807208"/>
+                <a:ext cx="4023360" cy="3411272"/>
+              </a:xfrm>
+              <a:prstGeom prst="rect">
+                <a:avLst/>
+              </a:prstGeom>
+              <a:blipFill>
+                <a:blip r:embed="rId2"/>
+                <a:stretch>
+                  <a:fillRect t="-743"/>
+                </a:stretch>
+              </a:blipFill>
+            </p:spPr>
+            <p:txBody>
+              <a:bodyPr/>
+              <a:lstStyle/>
+              <a:p>
+                <a:r>
+                  <a:rPr lang="en-US">
+                    <a:noFill/>
+                  </a:rPr>
+                  <a:t> </a:t>
+                </a:r>
+              </a:p>
+            </p:txBody>
+          </p:sp>
+        </mc:Fallback>
+      </mc:AlternateContent>
       <p:pic>
         <p:nvPicPr>
           <p:cNvPr id="4" name="Picture 3" descr="A picture containing circle, diagram, line, drawing&#10;&#10;Description automatically generated">
@@ -5464,7 +5643,7 @@
           <p:nvPr/>
         </p:nvPicPr>
         <p:blipFill>
-          <a:blip r:embed="rId2"/>
+          <a:blip r:embed="rId3"/>
           <a:stretch>
             <a:fillRect/>
           </a:stretch>
@@ -5479,6 +5658,146 @@
           </a:prstGeom>
         </p:spPr>
       </p:pic>
+      <p:sp>
+        <p:nvSpPr>
+          <p:cNvPr id="3" name="TextBox 2">
+            <a:extLst>
+              <a:ext uri="{FF2B5EF4-FFF2-40B4-BE49-F238E27FC236}">
+                <a16:creationId xmlns:a16="http://schemas.microsoft.com/office/drawing/2014/main" id="{D07D34A6-9D64-3C67-F444-8950C6B2C4F2}"/>
+              </a:ext>
+            </a:extLst>
+          </p:cNvPr>
+          <p:cNvSpPr txBox="1"/>
+          <p:nvPr/>
+        </p:nvSpPr>
+        <p:spPr>
+          <a:xfrm>
+            <a:off x="5114260" y="2488018"/>
+            <a:ext cx="435935" cy="276999"/>
+          </a:xfrm>
+          <a:prstGeom prst="rect">
+            <a:avLst/>
+          </a:prstGeom>
+          <a:noFill/>
+        </p:spPr>
+        <p:txBody>
+          <a:bodyPr wrap="square" rtlCol="0">
+            <a:spAutoFit/>
+          </a:bodyPr>
+          <a:lstStyle/>
+          <a:p>
+            <a:r>
+              <a:rPr lang="en-US" sz="1200" dirty="0"/>
+              <a:t>a11</a:t>
+            </a:r>
+          </a:p>
+        </p:txBody>
+      </p:sp>
+      <p:sp>
+        <p:nvSpPr>
+          <p:cNvPr id="6" name="TextBox 5">
+            <a:extLst>
+              <a:ext uri="{FF2B5EF4-FFF2-40B4-BE49-F238E27FC236}">
+                <a16:creationId xmlns:a16="http://schemas.microsoft.com/office/drawing/2014/main" id="{BBEA0E5B-0CD7-545A-F70B-51B93B8BFE9B}"/>
+              </a:ext>
+            </a:extLst>
+          </p:cNvPr>
+          <p:cNvSpPr txBox="1"/>
+          <p:nvPr/>
+        </p:nvSpPr>
+        <p:spPr>
+          <a:xfrm>
+            <a:off x="5695507" y="2582900"/>
+            <a:ext cx="435935" cy="276999"/>
+          </a:xfrm>
+          <a:prstGeom prst="rect">
+            <a:avLst/>
+          </a:prstGeom>
+          <a:noFill/>
+        </p:spPr>
+        <p:txBody>
+          <a:bodyPr wrap="square" rtlCol="0">
+            <a:spAutoFit/>
+          </a:bodyPr>
+          <a:lstStyle/>
+          <a:p>
+            <a:r>
+              <a:rPr lang="en-US" sz="1200" dirty="0"/>
+              <a:t>a12</a:t>
+            </a:r>
+          </a:p>
+        </p:txBody>
+      </p:sp>
+      <p:sp>
+        <p:nvSpPr>
+          <p:cNvPr id="7" name="TextBox 6">
+            <a:extLst>
+              <a:ext uri="{FF2B5EF4-FFF2-40B4-BE49-F238E27FC236}">
+                <a16:creationId xmlns:a16="http://schemas.microsoft.com/office/drawing/2014/main" id="{93E61D7F-4CA0-4008-A544-931C5BA760B0}"/>
+              </a:ext>
+            </a:extLst>
+          </p:cNvPr>
+          <p:cNvSpPr txBox="1"/>
+          <p:nvPr/>
+        </p:nvSpPr>
+        <p:spPr>
+          <a:xfrm>
+            <a:off x="6338017" y="2220092"/>
+            <a:ext cx="435935" cy="276999"/>
+          </a:xfrm>
+          <a:prstGeom prst="rect">
+            <a:avLst/>
+          </a:prstGeom>
+          <a:noFill/>
+        </p:spPr>
+        <p:txBody>
+          <a:bodyPr wrap="square" rtlCol="0">
+            <a:spAutoFit/>
+          </a:bodyPr>
+          <a:lstStyle/>
+          <a:p>
+            <a:r>
+              <a:rPr lang="en-US" sz="1200" dirty="0"/>
+              <a:t>a14</a:t>
+            </a:r>
+          </a:p>
+        </p:txBody>
+      </p:sp>
+      <p:sp>
+        <p:nvSpPr>
+          <p:cNvPr id="8" name="TextBox 7">
+            <a:extLst>
+              <a:ext uri="{FF2B5EF4-FFF2-40B4-BE49-F238E27FC236}">
+                <a16:creationId xmlns:a16="http://schemas.microsoft.com/office/drawing/2014/main" id="{27AEA0C9-BE48-946A-701F-D02C6FB46A15}"/>
+              </a:ext>
+            </a:extLst>
+          </p:cNvPr>
+          <p:cNvSpPr txBox="1"/>
+          <p:nvPr/>
+        </p:nvSpPr>
+        <p:spPr>
+          <a:xfrm>
+            <a:off x="6176454" y="2668708"/>
+            <a:ext cx="435935" cy="276999"/>
+          </a:xfrm>
+          <a:prstGeom prst="rect">
+            <a:avLst/>
+          </a:prstGeom>
+          <a:noFill/>
+        </p:spPr>
+        <p:txBody>
+          <a:bodyPr wrap="square" rtlCol="0">
+            <a:spAutoFit/>
+          </a:bodyPr>
+          <a:lstStyle/>
+          <a:p>
+            <a:r>
+              <a:rPr lang="en-US" sz="1200" dirty="0"/>
+              <a:t>a13</a:t>
+            </a:r>
+          </a:p>
+        </p:txBody>
+      </p:sp>
     </p:spTree>
     <p:extLst>
       <p:ext uri="{BB962C8B-B14F-4D97-AF65-F5344CB8AC3E}">
